--- a/TowerOfDefense.pptx
+++ b/TowerOfDefense.pptx
@@ -10,6 +10,7 @@
     <p:sldId id="259" r:id="rId4"/>
     <p:sldId id="258" r:id="rId5"/>
     <p:sldId id="260" r:id="rId6"/>
+    <p:sldId id="261" r:id="rId7"/>
   </p:sldIdLst>
   <p:sldSz cx="12192000" cy="6858000"/>
   <p:notesSz cx="6858000" cy="9144000"/>
@@ -263,7 +264,7 @@
           <a:p>
             <a:fld id="{F6FF6732-C5B4-46A1-A722-3D7B59C656B8}" type="datetimeFigureOut">
               <a:rPr kumimoji="1" lang="ja-JP" altLang="en-US" smtClean="0"/>
-              <a:t>2023/7/4</a:t>
+              <a:t>2023/7/5</a:t>
             </a:fld>
             <a:endParaRPr kumimoji="1" lang="ja-JP" altLang="en-US"/>
           </a:p>
@@ -493,7 +494,7 @@
           <a:p>
             <a:fld id="{F6FF6732-C5B4-46A1-A722-3D7B59C656B8}" type="datetimeFigureOut">
               <a:rPr kumimoji="1" lang="ja-JP" altLang="en-US" smtClean="0"/>
-              <a:t>2023/7/4</a:t>
+              <a:t>2023/7/5</a:t>
             </a:fld>
             <a:endParaRPr kumimoji="1" lang="ja-JP" altLang="en-US"/>
           </a:p>
@@ -733,7 +734,7 @@
           <a:p>
             <a:fld id="{F6FF6732-C5B4-46A1-A722-3D7B59C656B8}" type="datetimeFigureOut">
               <a:rPr kumimoji="1" lang="ja-JP" altLang="en-US" smtClean="0"/>
-              <a:t>2023/7/4</a:t>
+              <a:t>2023/7/5</a:t>
             </a:fld>
             <a:endParaRPr kumimoji="1" lang="ja-JP" altLang="en-US"/>
           </a:p>
@@ -963,7 +964,7 @@
           <a:p>
             <a:fld id="{F6FF6732-C5B4-46A1-A722-3D7B59C656B8}" type="datetimeFigureOut">
               <a:rPr kumimoji="1" lang="ja-JP" altLang="en-US" smtClean="0"/>
-              <a:t>2023/7/4</a:t>
+              <a:t>2023/7/5</a:t>
             </a:fld>
             <a:endParaRPr kumimoji="1" lang="ja-JP" altLang="en-US"/>
           </a:p>
@@ -1238,7 +1239,7 @@
           <a:p>
             <a:fld id="{F6FF6732-C5B4-46A1-A722-3D7B59C656B8}" type="datetimeFigureOut">
               <a:rPr kumimoji="1" lang="ja-JP" altLang="en-US" smtClean="0"/>
-              <a:t>2023/7/4</a:t>
+              <a:t>2023/7/5</a:t>
             </a:fld>
             <a:endParaRPr kumimoji="1" lang="ja-JP" altLang="en-US"/>
           </a:p>
@@ -1567,7 +1568,7 @@
           <a:p>
             <a:fld id="{F6FF6732-C5B4-46A1-A722-3D7B59C656B8}" type="datetimeFigureOut">
               <a:rPr kumimoji="1" lang="ja-JP" altLang="en-US" smtClean="0"/>
-              <a:t>2023/7/4</a:t>
+              <a:t>2023/7/5</a:t>
             </a:fld>
             <a:endParaRPr kumimoji="1" lang="ja-JP" altLang="en-US"/>
           </a:p>
@@ -2043,7 +2044,7 @@
           <a:p>
             <a:fld id="{F6FF6732-C5B4-46A1-A722-3D7B59C656B8}" type="datetimeFigureOut">
               <a:rPr kumimoji="1" lang="ja-JP" altLang="en-US" smtClean="0"/>
-              <a:t>2023/7/4</a:t>
+              <a:t>2023/7/5</a:t>
             </a:fld>
             <a:endParaRPr kumimoji="1" lang="ja-JP" altLang="en-US"/>
           </a:p>
@@ -2184,7 +2185,7 @@
           <a:p>
             <a:fld id="{F6FF6732-C5B4-46A1-A722-3D7B59C656B8}" type="datetimeFigureOut">
               <a:rPr kumimoji="1" lang="ja-JP" altLang="en-US" smtClean="0"/>
-              <a:t>2023/7/4</a:t>
+              <a:t>2023/7/5</a:t>
             </a:fld>
             <a:endParaRPr kumimoji="1" lang="ja-JP" altLang="en-US"/>
           </a:p>
@@ -2297,7 +2298,7 @@
           <a:p>
             <a:fld id="{F6FF6732-C5B4-46A1-A722-3D7B59C656B8}" type="datetimeFigureOut">
               <a:rPr kumimoji="1" lang="ja-JP" altLang="en-US" smtClean="0"/>
-              <a:t>2023/7/4</a:t>
+              <a:t>2023/7/5</a:t>
             </a:fld>
             <a:endParaRPr kumimoji="1" lang="ja-JP" altLang="en-US"/>
           </a:p>
@@ -2640,7 +2641,7 @@
           <a:p>
             <a:fld id="{F6FF6732-C5B4-46A1-A722-3D7B59C656B8}" type="datetimeFigureOut">
               <a:rPr kumimoji="1" lang="ja-JP" altLang="en-US" smtClean="0"/>
-              <a:t>2023/7/4</a:t>
+              <a:t>2023/7/5</a:t>
             </a:fld>
             <a:endParaRPr kumimoji="1" lang="ja-JP" altLang="en-US"/>
           </a:p>
@@ -2928,7 +2929,7 @@
           <a:p>
             <a:fld id="{F6FF6732-C5B4-46A1-A722-3D7B59C656B8}" type="datetimeFigureOut">
               <a:rPr kumimoji="1" lang="ja-JP" altLang="en-US" smtClean="0"/>
-              <a:t>2023/7/4</a:t>
+              <a:t>2023/7/5</a:t>
             </a:fld>
             <a:endParaRPr kumimoji="1" lang="ja-JP" altLang="en-US"/>
           </a:p>
@@ -3201,7 +3202,7 @@
           <a:p>
             <a:fld id="{F6FF6732-C5B4-46A1-A722-3D7B59C656B8}" type="datetimeFigureOut">
               <a:rPr kumimoji="1" lang="ja-JP" altLang="en-US" smtClean="0"/>
-              <a:t>2023/7/4</a:t>
+              <a:t>2023/7/5</a:t>
             </a:fld>
             <a:endParaRPr kumimoji="1" lang="ja-JP" altLang="en-US"/>
           </a:p>
@@ -7259,7 +7260,24 @@
                 <a:latin typeface="せのびゴシック Bold" panose="02000600000000000000" pitchFamily="2" charset="-128"/>
                 <a:ea typeface="せのびゴシック Bold" panose="02000600000000000000" pitchFamily="2" charset="-128"/>
               </a:rPr>
-              <a:t>を置き敵に</a:t>
+              <a:t>を置き</a:t>
+            </a:r>
+            <a:r>
+              <a:rPr kumimoji="1" lang="ja-JP" altLang="en-US" sz="2000" dirty="0">
+                <a:solidFill>
+                  <a:srgbClr val="FF0000"/>
+                </a:solidFill>
+                <a:latin typeface="せのびゴシック Bold" panose="02000600000000000000" pitchFamily="2" charset="-128"/>
+                <a:ea typeface="せのびゴシック Bold" panose="02000600000000000000" pitchFamily="2" charset="-128"/>
+              </a:rPr>
+              <a:t>敵</a:t>
+            </a:r>
+            <a:r>
+              <a:rPr kumimoji="1" lang="ja-JP" altLang="en-US" sz="2000" dirty="0">
+                <a:latin typeface="せのびゴシック Bold" panose="02000600000000000000" pitchFamily="2" charset="-128"/>
+                <a:ea typeface="せのびゴシック Bold" panose="02000600000000000000" pitchFamily="2" charset="-128"/>
+              </a:rPr>
+              <a:t>に</a:t>
             </a:r>
             <a:r>
               <a:rPr kumimoji="1" lang="ja-JP" altLang="en-US" sz="2000" dirty="0">
@@ -9621,6 +9639,772 @@
     <p:extLst>
       <p:ext uri="{BB962C8B-B14F-4D97-AF65-F5344CB8AC3E}">
         <p14:creationId xmlns:p14="http://schemas.microsoft.com/office/powerpoint/2010/main" val="1134090514"/>
+      </p:ext>
+    </p:extLst>
+  </p:cSld>
+  <p:clrMapOvr>
+    <a:masterClrMapping/>
+  </p:clrMapOvr>
+</p:sld>
+</file>
+
+<file path=ppt/slides/slide6.xml><?xml version="1.0" encoding="utf-8"?>
+<p:sld xmlns:a="http://schemas.openxmlformats.org/drawingml/2006/main" xmlns:r="http://schemas.openxmlformats.org/officeDocument/2006/relationships" xmlns:p="http://schemas.openxmlformats.org/presentationml/2006/main">
+  <p:cSld>
+    <p:spTree>
+      <p:nvGrpSpPr>
+        <p:cNvPr id="1" name=""/>
+        <p:cNvGrpSpPr/>
+        <p:nvPr/>
+      </p:nvGrpSpPr>
+      <p:grpSpPr>
+        <a:xfrm>
+          <a:off x="0" y="0"/>
+          <a:ext cx="0" cy="0"/>
+          <a:chOff x="0" y="0"/>
+          <a:chExt cx="0" cy="0"/>
+        </a:xfrm>
+      </p:grpSpPr>
+      <p:sp>
+        <p:nvSpPr>
+          <p:cNvPr id="4" name="テキスト ボックス 3">
+            <a:extLst>
+              <a:ext uri="{FF2B5EF4-FFF2-40B4-BE49-F238E27FC236}">
+                <a16:creationId xmlns:a16="http://schemas.microsoft.com/office/drawing/2014/main" id="{9E8D1C77-975E-40F5-83A6-37D0411B7E93}"/>
+              </a:ext>
+            </a:extLst>
+          </p:cNvPr>
+          <p:cNvSpPr txBox="1"/>
+          <p:nvPr/>
+        </p:nvSpPr>
+        <p:spPr>
+          <a:xfrm>
+            <a:off x="5155678" y="497152"/>
+            <a:ext cx="1880643" cy="369332"/>
+          </a:xfrm>
+          <a:prstGeom prst="rect">
+            <a:avLst/>
+          </a:prstGeom>
+          <a:noFill/>
+        </p:spPr>
+        <p:txBody>
+          <a:bodyPr wrap="none" rtlCol="0">
+            <a:spAutoFit/>
+          </a:bodyPr>
+          <a:lstStyle/>
+          <a:p>
+            <a:r>
+              <a:rPr kumimoji="1" lang="en-US" altLang="ja-JP" dirty="0">
+                <a:solidFill>
+                  <a:srgbClr val="00B050"/>
+                </a:solidFill>
+                <a:latin typeface="せのびゴシック Bold" panose="02000600000000000000" pitchFamily="2" charset="-128"/>
+                <a:ea typeface="せのびゴシック Bold" panose="02000600000000000000" pitchFamily="2" charset="-128"/>
+              </a:rPr>
+              <a:t>SceneMain</a:t>
+            </a:r>
+            <a:r>
+              <a:rPr kumimoji="1" lang="en-US" altLang="ja-JP" dirty="0">
+                <a:latin typeface="せのびゴシック Bold" panose="02000600000000000000" pitchFamily="2" charset="-128"/>
+                <a:ea typeface="せのびゴシック Bold" panose="02000600000000000000" pitchFamily="2" charset="-128"/>
+              </a:rPr>
+              <a:t>.cpp</a:t>
+            </a:r>
+            <a:endParaRPr kumimoji="1" lang="ja-JP" altLang="en-US" dirty="0">
+              <a:latin typeface="せのびゴシック Bold" panose="02000600000000000000" pitchFamily="2" charset="-128"/>
+              <a:ea typeface="せのびゴシック Bold" panose="02000600000000000000" pitchFamily="2" charset="-128"/>
+            </a:endParaRPr>
+          </a:p>
+        </p:txBody>
+      </p:sp>
+      <p:sp>
+        <p:nvSpPr>
+          <p:cNvPr id="5" name="テキスト ボックス 4">
+            <a:extLst>
+              <a:ext uri="{FF2B5EF4-FFF2-40B4-BE49-F238E27FC236}">
+                <a16:creationId xmlns:a16="http://schemas.microsoft.com/office/drawing/2014/main" id="{8C22CF55-4132-45AF-8F88-9ECEA067F356}"/>
+              </a:ext>
+            </a:extLst>
+          </p:cNvPr>
+          <p:cNvSpPr txBox="1"/>
+          <p:nvPr/>
+        </p:nvSpPr>
+        <p:spPr>
+          <a:xfrm>
+            <a:off x="757083" y="1671483"/>
+            <a:ext cx="1396536" cy="369332"/>
+          </a:xfrm>
+          <a:prstGeom prst="rect">
+            <a:avLst/>
+          </a:prstGeom>
+          <a:noFill/>
+        </p:spPr>
+        <p:txBody>
+          <a:bodyPr wrap="none" rtlCol="0">
+            <a:spAutoFit/>
+          </a:bodyPr>
+          <a:lstStyle/>
+          <a:p>
+            <a:r>
+              <a:rPr kumimoji="1" lang="en-US" altLang="ja-JP" dirty="0">
+                <a:solidFill>
+                  <a:srgbClr val="00B050"/>
+                </a:solidFill>
+                <a:latin typeface="せのびゴシック Bold" panose="02000600000000000000" pitchFamily="2" charset="-128"/>
+                <a:ea typeface="せのびゴシック Bold" panose="02000600000000000000" pitchFamily="2" charset="-128"/>
+              </a:rPr>
+              <a:t>Player</a:t>
+            </a:r>
+            <a:r>
+              <a:rPr kumimoji="1" lang="en-US" altLang="ja-JP" dirty="0">
+                <a:latin typeface="せのびゴシック Bold" panose="02000600000000000000" pitchFamily="2" charset="-128"/>
+                <a:ea typeface="せのびゴシック Bold" panose="02000600000000000000" pitchFamily="2" charset="-128"/>
+              </a:rPr>
+              <a:t>.cpp</a:t>
+            </a:r>
+          </a:p>
+        </p:txBody>
+      </p:sp>
+      <p:sp>
+        <p:nvSpPr>
+          <p:cNvPr id="6" name="テキスト ボックス 5">
+            <a:extLst>
+              <a:ext uri="{FF2B5EF4-FFF2-40B4-BE49-F238E27FC236}">
+                <a16:creationId xmlns:a16="http://schemas.microsoft.com/office/drawing/2014/main" id="{E7574EF3-260F-4F11-A4EF-F28C49AD02A5}"/>
+              </a:ext>
+            </a:extLst>
+          </p:cNvPr>
+          <p:cNvSpPr txBox="1"/>
+          <p:nvPr/>
+        </p:nvSpPr>
+        <p:spPr>
+          <a:xfrm>
+            <a:off x="6457558" y="1671483"/>
+            <a:ext cx="2686954" cy="369332"/>
+          </a:xfrm>
+          <a:prstGeom prst="rect">
+            <a:avLst/>
+          </a:prstGeom>
+          <a:noFill/>
+        </p:spPr>
+        <p:txBody>
+          <a:bodyPr wrap="none" rtlCol="0">
+            <a:spAutoFit/>
+          </a:bodyPr>
+          <a:lstStyle/>
+          <a:p>
+            <a:r>
+              <a:rPr lang="en-US" altLang="ja-JP" sz="1800" dirty="0">
+                <a:solidFill>
+                  <a:srgbClr val="00B050"/>
+                </a:solidFill>
+                <a:latin typeface="せのびゴシック Bold" panose="02000600000000000000" pitchFamily="2" charset="-128"/>
+                <a:ea typeface="せのびゴシック Bold" panose="02000600000000000000" pitchFamily="2" charset="-128"/>
+              </a:rPr>
+              <a:t>ObstacleManager</a:t>
+            </a:r>
+            <a:r>
+              <a:rPr kumimoji="1" lang="en-US" altLang="ja-JP" dirty="0">
+                <a:latin typeface="せのびゴシック Bold" panose="02000600000000000000" pitchFamily="2" charset="-128"/>
+                <a:ea typeface="せのびゴシック Bold" panose="02000600000000000000" pitchFamily="2" charset="-128"/>
+              </a:rPr>
+              <a:t>.cpp</a:t>
+            </a:r>
+          </a:p>
+        </p:txBody>
+      </p:sp>
+      <p:sp>
+        <p:nvSpPr>
+          <p:cNvPr id="7" name="テキスト ボックス 6">
+            <a:extLst>
+              <a:ext uri="{FF2B5EF4-FFF2-40B4-BE49-F238E27FC236}">
+                <a16:creationId xmlns:a16="http://schemas.microsoft.com/office/drawing/2014/main" id="{CB7D899F-A24A-4D39-91A2-89F5EFD5E9AF}"/>
+              </a:ext>
+            </a:extLst>
+          </p:cNvPr>
+          <p:cNvSpPr txBox="1"/>
+          <p:nvPr/>
+        </p:nvSpPr>
+        <p:spPr>
+          <a:xfrm>
+            <a:off x="2772697" y="1671483"/>
+            <a:ext cx="1529586" cy="369332"/>
+          </a:xfrm>
+          <a:prstGeom prst="rect">
+            <a:avLst/>
+          </a:prstGeom>
+          <a:noFill/>
+        </p:spPr>
+        <p:txBody>
+          <a:bodyPr wrap="none" rtlCol="0">
+            <a:spAutoFit/>
+          </a:bodyPr>
+          <a:lstStyle/>
+          <a:p>
+            <a:r>
+              <a:rPr kumimoji="1" lang="en-US" altLang="ja-JP" dirty="0">
+                <a:solidFill>
+                  <a:srgbClr val="00B050"/>
+                </a:solidFill>
+                <a:latin typeface="せのびゴシック Bold" panose="02000600000000000000" pitchFamily="2" charset="-128"/>
+                <a:ea typeface="せのびゴシック Bold" panose="02000600000000000000" pitchFamily="2" charset="-128"/>
+              </a:rPr>
+              <a:t>Camera</a:t>
+            </a:r>
+            <a:r>
+              <a:rPr kumimoji="1" lang="en-US" altLang="ja-JP" dirty="0">
+                <a:latin typeface="せのびゴシック Bold" panose="02000600000000000000" pitchFamily="2" charset="-128"/>
+                <a:ea typeface="せのびゴシック Bold" panose="02000600000000000000" pitchFamily="2" charset="-128"/>
+              </a:rPr>
+              <a:t>.cpp</a:t>
+            </a:r>
+          </a:p>
+        </p:txBody>
+      </p:sp>
+      <p:sp>
+        <p:nvSpPr>
+          <p:cNvPr id="8" name="テキスト ボックス 7">
+            <a:extLst>
+              <a:ext uri="{FF2B5EF4-FFF2-40B4-BE49-F238E27FC236}">
+                <a16:creationId xmlns:a16="http://schemas.microsoft.com/office/drawing/2014/main" id="{F1B7B12D-0A06-4029-882C-59BFD5B26BAC}"/>
+              </a:ext>
+            </a:extLst>
+          </p:cNvPr>
+          <p:cNvSpPr txBox="1"/>
+          <p:nvPr/>
+        </p:nvSpPr>
+        <p:spPr>
+          <a:xfrm>
+            <a:off x="9372377" y="1671483"/>
+            <a:ext cx="2387192" cy="369332"/>
+          </a:xfrm>
+          <a:prstGeom prst="rect">
+            <a:avLst/>
+          </a:prstGeom>
+          <a:noFill/>
+        </p:spPr>
+        <p:txBody>
+          <a:bodyPr wrap="none" rtlCol="0">
+            <a:spAutoFit/>
+          </a:bodyPr>
+          <a:lstStyle/>
+          <a:p>
+            <a:r>
+              <a:rPr kumimoji="1" lang="en-US" altLang="ja-JP" dirty="0">
+                <a:solidFill>
+                  <a:srgbClr val="00B050"/>
+                </a:solidFill>
+                <a:latin typeface="せのびゴシック Bold" panose="02000600000000000000" pitchFamily="2" charset="-128"/>
+                <a:ea typeface="せのびゴシック Bold" panose="02000600000000000000" pitchFamily="2" charset="-128"/>
+              </a:rPr>
+              <a:t>EnemyManager</a:t>
+            </a:r>
+            <a:r>
+              <a:rPr kumimoji="1" lang="en-US" altLang="ja-JP" dirty="0">
+                <a:latin typeface="せのびゴシック Bold" panose="02000600000000000000" pitchFamily="2" charset="-128"/>
+                <a:ea typeface="せのびゴシック Bold" panose="02000600000000000000" pitchFamily="2" charset="-128"/>
+              </a:rPr>
+              <a:t>.cpp</a:t>
+            </a:r>
+          </a:p>
+        </p:txBody>
+      </p:sp>
+      <p:sp>
+        <p:nvSpPr>
+          <p:cNvPr id="9" name="テキスト ボックス 8">
+            <a:extLst>
+              <a:ext uri="{FF2B5EF4-FFF2-40B4-BE49-F238E27FC236}">
+                <a16:creationId xmlns:a16="http://schemas.microsoft.com/office/drawing/2014/main" id="{1B614199-232E-4894-8309-B5CFB1EAC1D0}"/>
+              </a:ext>
+            </a:extLst>
+          </p:cNvPr>
+          <p:cNvSpPr txBox="1"/>
+          <p:nvPr/>
+        </p:nvSpPr>
+        <p:spPr>
+          <a:xfrm>
+            <a:off x="4934384" y="1671483"/>
+            <a:ext cx="1136850" cy="369332"/>
+          </a:xfrm>
+          <a:prstGeom prst="rect">
+            <a:avLst/>
+          </a:prstGeom>
+          <a:noFill/>
+        </p:spPr>
+        <p:txBody>
+          <a:bodyPr wrap="none" rtlCol="0">
+            <a:spAutoFit/>
+          </a:bodyPr>
+          <a:lstStyle/>
+          <a:p>
+            <a:r>
+              <a:rPr kumimoji="1" lang="en-US" altLang="ja-JP" dirty="0">
+                <a:solidFill>
+                  <a:srgbClr val="00B050"/>
+                </a:solidFill>
+                <a:latin typeface="せのびゴシック Bold" panose="02000600000000000000" pitchFamily="2" charset="-128"/>
+                <a:ea typeface="せのびゴシック Bold" panose="02000600000000000000" pitchFamily="2" charset="-128"/>
+              </a:rPr>
+              <a:t>Map</a:t>
+            </a:r>
+            <a:r>
+              <a:rPr kumimoji="1" lang="en-US" altLang="ja-JP" dirty="0">
+                <a:latin typeface="せのびゴシック Bold" panose="02000600000000000000" pitchFamily="2" charset="-128"/>
+                <a:ea typeface="せのびゴシック Bold" panose="02000600000000000000" pitchFamily="2" charset="-128"/>
+              </a:rPr>
+              <a:t>.cpp</a:t>
+            </a:r>
+          </a:p>
+        </p:txBody>
+      </p:sp>
+      <p:sp>
+        <p:nvSpPr>
+          <p:cNvPr id="11" name="テキスト ボックス 10">
+            <a:extLst>
+              <a:ext uri="{FF2B5EF4-FFF2-40B4-BE49-F238E27FC236}">
+                <a16:creationId xmlns:a16="http://schemas.microsoft.com/office/drawing/2014/main" id="{4D178EF2-3AB8-40D8-85B6-F44BF7655C2C}"/>
+              </a:ext>
+            </a:extLst>
+          </p:cNvPr>
+          <p:cNvSpPr txBox="1"/>
+          <p:nvPr/>
+        </p:nvSpPr>
+        <p:spPr>
+          <a:xfrm>
+            <a:off x="7058844" y="2353891"/>
+            <a:ext cx="2228495" cy="369332"/>
+          </a:xfrm>
+          <a:prstGeom prst="rect">
+            <a:avLst/>
+          </a:prstGeom>
+          <a:noFill/>
+        </p:spPr>
+        <p:txBody>
+          <a:bodyPr wrap="none" rtlCol="0">
+            <a:spAutoFit/>
+          </a:bodyPr>
+          <a:lstStyle/>
+          <a:p>
+            <a:r>
+              <a:rPr lang="en-US" altLang="ja-JP" sz="1800" dirty="0">
+                <a:solidFill>
+                  <a:srgbClr val="00B050"/>
+                </a:solidFill>
+                <a:latin typeface="せのびゴシック Bold" panose="02000600000000000000" pitchFamily="2" charset="-128"/>
+                <a:ea typeface="せのびゴシック Bold" panose="02000600000000000000" pitchFamily="2" charset="-128"/>
+              </a:rPr>
+              <a:t>ObstacleBase</a:t>
+            </a:r>
+            <a:r>
+              <a:rPr kumimoji="1" lang="en-US" altLang="ja-JP" dirty="0">
+                <a:latin typeface="せのびゴシック Bold" panose="02000600000000000000" pitchFamily="2" charset="-128"/>
+                <a:ea typeface="せのびゴシック Bold" panose="02000600000000000000" pitchFamily="2" charset="-128"/>
+              </a:rPr>
+              <a:t>.cpp</a:t>
+            </a:r>
+          </a:p>
+        </p:txBody>
+      </p:sp>
+      <p:sp>
+        <p:nvSpPr>
+          <p:cNvPr id="12" name="テキスト ボックス 11">
+            <a:extLst>
+              <a:ext uri="{FF2B5EF4-FFF2-40B4-BE49-F238E27FC236}">
+                <a16:creationId xmlns:a16="http://schemas.microsoft.com/office/drawing/2014/main" id="{A8EE5F52-38EF-40E2-8A78-70D0B055A99B}"/>
+              </a:ext>
+            </a:extLst>
+          </p:cNvPr>
+          <p:cNvSpPr txBox="1"/>
+          <p:nvPr/>
+        </p:nvSpPr>
+        <p:spPr>
+          <a:xfrm>
+            <a:off x="6457558" y="2723535"/>
+            <a:ext cx="2238113" cy="369332"/>
+          </a:xfrm>
+          <a:prstGeom prst="rect">
+            <a:avLst/>
+          </a:prstGeom>
+          <a:noFill/>
+        </p:spPr>
+        <p:txBody>
+          <a:bodyPr wrap="none" rtlCol="0">
+            <a:spAutoFit/>
+          </a:bodyPr>
+          <a:lstStyle/>
+          <a:p>
+            <a:r>
+              <a:rPr lang="en-US" altLang="ja-JP" sz="1800" dirty="0">
+                <a:solidFill>
+                  <a:srgbClr val="00B050"/>
+                </a:solidFill>
+                <a:latin typeface="せのびゴシック Bold" panose="02000600000000000000" pitchFamily="2" charset="-128"/>
+                <a:ea typeface="せのびゴシック Bold" panose="02000600000000000000" pitchFamily="2" charset="-128"/>
+              </a:rPr>
+              <a:t>ObstacleShot</a:t>
+            </a:r>
+            <a:r>
+              <a:rPr kumimoji="1" lang="en-US" altLang="ja-JP" dirty="0">
+                <a:latin typeface="せのびゴシック Bold" panose="02000600000000000000" pitchFamily="2" charset="-128"/>
+                <a:ea typeface="せのびゴシック Bold" panose="02000600000000000000" pitchFamily="2" charset="-128"/>
+              </a:rPr>
+              <a:t>.cpp</a:t>
+            </a:r>
+          </a:p>
+        </p:txBody>
+      </p:sp>
+      <p:sp>
+        <p:nvSpPr>
+          <p:cNvPr id="13" name="テキスト ボックス 12">
+            <a:extLst>
+              <a:ext uri="{FF2B5EF4-FFF2-40B4-BE49-F238E27FC236}">
+                <a16:creationId xmlns:a16="http://schemas.microsoft.com/office/drawing/2014/main" id="{852C5906-5A0E-4C36-9D2B-BFD31E0684B0}"/>
+              </a:ext>
+            </a:extLst>
+          </p:cNvPr>
+          <p:cNvSpPr txBox="1"/>
+          <p:nvPr/>
+        </p:nvSpPr>
+        <p:spPr>
+          <a:xfrm>
+            <a:off x="6457558" y="3092867"/>
+            <a:ext cx="1202573" cy="369332"/>
+          </a:xfrm>
+          <a:prstGeom prst="rect">
+            <a:avLst/>
+          </a:prstGeom>
+          <a:noFill/>
+        </p:spPr>
+        <p:txBody>
+          <a:bodyPr wrap="none" rtlCol="0">
+            <a:spAutoFit/>
+          </a:bodyPr>
+          <a:lstStyle/>
+          <a:p>
+            <a:r>
+              <a:rPr lang="en-US" altLang="ja-JP" sz="1800" dirty="0">
+                <a:solidFill>
+                  <a:srgbClr val="00B050"/>
+                </a:solidFill>
+                <a:latin typeface="せのびゴシック Bold" panose="02000600000000000000" pitchFamily="2" charset="-128"/>
+                <a:ea typeface="せのびゴシック Bold" panose="02000600000000000000" pitchFamily="2" charset="-128"/>
+              </a:rPr>
+              <a:t>Shot</a:t>
+            </a:r>
+            <a:r>
+              <a:rPr kumimoji="1" lang="en-US" altLang="ja-JP" dirty="0">
+                <a:latin typeface="せのびゴシック Bold" panose="02000600000000000000" pitchFamily="2" charset="-128"/>
+                <a:ea typeface="せのびゴシック Bold" panose="02000600000000000000" pitchFamily="2" charset="-128"/>
+              </a:rPr>
+              <a:t>.cpp</a:t>
+            </a:r>
+          </a:p>
+        </p:txBody>
+      </p:sp>
+      <p:sp>
+        <p:nvSpPr>
+          <p:cNvPr id="14" name="テキスト ボックス 13">
+            <a:extLst>
+              <a:ext uri="{FF2B5EF4-FFF2-40B4-BE49-F238E27FC236}">
+                <a16:creationId xmlns:a16="http://schemas.microsoft.com/office/drawing/2014/main" id="{70BE04DC-B28B-4F73-A6CA-D8E670D435E2}"/>
+              </a:ext>
+            </a:extLst>
+          </p:cNvPr>
+          <p:cNvSpPr txBox="1"/>
+          <p:nvPr/>
+        </p:nvSpPr>
+        <p:spPr>
+          <a:xfrm>
+            <a:off x="9830836" y="2382175"/>
+            <a:ext cx="1928733" cy="369332"/>
+          </a:xfrm>
+          <a:prstGeom prst="rect">
+            <a:avLst/>
+          </a:prstGeom>
+          <a:noFill/>
+        </p:spPr>
+        <p:txBody>
+          <a:bodyPr wrap="none" rtlCol="0">
+            <a:spAutoFit/>
+          </a:bodyPr>
+          <a:lstStyle/>
+          <a:p>
+            <a:r>
+              <a:rPr kumimoji="1" lang="en-US" altLang="ja-JP" dirty="0">
+                <a:solidFill>
+                  <a:srgbClr val="00B050"/>
+                </a:solidFill>
+                <a:latin typeface="せのびゴシック Bold" panose="02000600000000000000" pitchFamily="2" charset="-128"/>
+                <a:ea typeface="せのびゴシック Bold" panose="02000600000000000000" pitchFamily="2" charset="-128"/>
+              </a:rPr>
+              <a:t>EnemyBase</a:t>
+            </a:r>
+            <a:r>
+              <a:rPr kumimoji="1" lang="en-US" altLang="ja-JP" dirty="0">
+                <a:latin typeface="せのびゴシック Bold" panose="02000600000000000000" pitchFamily="2" charset="-128"/>
+                <a:ea typeface="せのびゴシック Bold" panose="02000600000000000000" pitchFamily="2" charset="-128"/>
+              </a:rPr>
+              <a:t>.cpp</a:t>
+            </a:r>
+          </a:p>
+        </p:txBody>
+      </p:sp>
+      <p:sp>
+        <p:nvSpPr>
+          <p:cNvPr id="15" name="テキスト ボックス 14">
+            <a:extLst>
+              <a:ext uri="{FF2B5EF4-FFF2-40B4-BE49-F238E27FC236}">
+                <a16:creationId xmlns:a16="http://schemas.microsoft.com/office/drawing/2014/main" id="{D1A94765-033F-4C39-AEE5-E5064360AE38}"/>
+              </a:ext>
+            </a:extLst>
+          </p:cNvPr>
+          <p:cNvSpPr txBox="1"/>
+          <p:nvPr/>
+        </p:nvSpPr>
+        <p:spPr>
+          <a:xfrm>
+            <a:off x="9372377" y="2723535"/>
+            <a:ext cx="2220480" cy="369332"/>
+          </a:xfrm>
+          <a:prstGeom prst="rect">
+            <a:avLst/>
+          </a:prstGeom>
+          <a:noFill/>
+        </p:spPr>
+        <p:txBody>
+          <a:bodyPr wrap="none" rtlCol="0">
+            <a:spAutoFit/>
+          </a:bodyPr>
+          <a:lstStyle/>
+          <a:p>
+            <a:r>
+              <a:rPr kumimoji="1" lang="en-US" altLang="ja-JP" dirty="0">
+                <a:solidFill>
+                  <a:srgbClr val="00B050"/>
+                </a:solidFill>
+                <a:latin typeface="せのびゴシック Bold" panose="02000600000000000000" pitchFamily="2" charset="-128"/>
+                <a:ea typeface="せのびゴシック Bold" panose="02000600000000000000" pitchFamily="2" charset="-128"/>
+              </a:rPr>
+              <a:t>EnemyNormal</a:t>
+            </a:r>
+            <a:r>
+              <a:rPr kumimoji="1" lang="en-US" altLang="ja-JP" dirty="0">
+                <a:latin typeface="せのびゴシック Bold" panose="02000600000000000000" pitchFamily="2" charset="-128"/>
+                <a:ea typeface="せのびゴシック Bold" panose="02000600000000000000" pitchFamily="2" charset="-128"/>
+              </a:rPr>
+              <a:t>.cpp</a:t>
+            </a:r>
+          </a:p>
+        </p:txBody>
+      </p:sp>
+      <p:cxnSp>
+        <p:nvCxnSpPr>
+          <p:cNvPr id="18" name="直線矢印コネクタ 17">
+            <a:extLst>
+              <a:ext uri="{FF2B5EF4-FFF2-40B4-BE49-F238E27FC236}">
+                <a16:creationId xmlns:a16="http://schemas.microsoft.com/office/drawing/2014/main" id="{ACE5DA69-D982-434A-A6C8-3E6ED9F32679}"/>
+              </a:ext>
+            </a:extLst>
+          </p:cNvPr>
+          <p:cNvCxnSpPr/>
+          <p:nvPr/>
+        </p:nvCxnSpPr>
+        <p:spPr>
+          <a:xfrm flipV="1">
+            <a:off x="1455351" y="794265"/>
+            <a:ext cx="3136314" cy="759232"/>
+          </a:xfrm>
+          <a:prstGeom prst="straightConnector1">
+            <a:avLst/>
+          </a:prstGeom>
+          <a:ln>
+            <a:tailEnd type="triangle"/>
+          </a:ln>
+        </p:spPr>
+        <p:style>
+          <a:lnRef idx="1">
+            <a:schemeClr val="accent1"/>
+          </a:lnRef>
+          <a:fillRef idx="0">
+            <a:schemeClr val="accent1"/>
+          </a:fillRef>
+          <a:effectRef idx="0">
+            <a:schemeClr val="accent1"/>
+          </a:effectRef>
+          <a:fontRef idx="minor">
+            <a:schemeClr val="tx1"/>
+          </a:fontRef>
+        </p:style>
+      </p:cxnSp>
+      <p:cxnSp>
+        <p:nvCxnSpPr>
+          <p:cNvPr id="19" name="直線矢印コネクタ 18">
+            <a:extLst>
+              <a:ext uri="{FF2B5EF4-FFF2-40B4-BE49-F238E27FC236}">
+                <a16:creationId xmlns:a16="http://schemas.microsoft.com/office/drawing/2014/main" id="{1A54685A-5EE6-4A11-86D4-7E794A32231D}"/>
+              </a:ext>
+            </a:extLst>
+          </p:cNvPr>
+          <p:cNvCxnSpPr>
+            <a:cxnSpLocks/>
+          </p:cNvCxnSpPr>
+          <p:nvPr/>
+        </p:nvCxnSpPr>
+        <p:spPr>
+          <a:xfrm flipV="1">
+            <a:off x="3677265" y="978931"/>
+            <a:ext cx="1257119" cy="633560"/>
+          </a:xfrm>
+          <a:prstGeom prst="straightConnector1">
+            <a:avLst/>
+          </a:prstGeom>
+          <a:ln>
+            <a:tailEnd type="triangle"/>
+          </a:ln>
+        </p:spPr>
+        <p:style>
+          <a:lnRef idx="1">
+            <a:schemeClr val="accent1"/>
+          </a:lnRef>
+          <a:fillRef idx="0">
+            <a:schemeClr val="accent1"/>
+          </a:fillRef>
+          <a:effectRef idx="0">
+            <a:schemeClr val="accent1"/>
+          </a:effectRef>
+          <a:fontRef idx="minor">
+            <a:schemeClr val="tx1"/>
+          </a:fontRef>
+        </p:style>
+      </p:cxnSp>
+      <p:cxnSp>
+        <p:nvCxnSpPr>
+          <p:cNvPr id="22" name="直線矢印コネクタ 21">
+            <a:extLst>
+              <a:ext uri="{FF2B5EF4-FFF2-40B4-BE49-F238E27FC236}">
+                <a16:creationId xmlns:a16="http://schemas.microsoft.com/office/drawing/2014/main" id="{AB916161-A148-4484-986E-579E0A3BB139}"/>
+              </a:ext>
+            </a:extLst>
+          </p:cNvPr>
+          <p:cNvCxnSpPr>
+            <a:cxnSpLocks/>
+          </p:cNvCxnSpPr>
+          <p:nvPr/>
+        </p:nvCxnSpPr>
+        <p:spPr>
+          <a:xfrm flipV="1">
+            <a:off x="5719119" y="1002593"/>
+            <a:ext cx="0" cy="616352"/>
+          </a:xfrm>
+          <a:prstGeom prst="straightConnector1">
+            <a:avLst/>
+          </a:prstGeom>
+          <a:ln>
+            <a:tailEnd type="triangle"/>
+          </a:ln>
+        </p:spPr>
+        <p:style>
+          <a:lnRef idx="1">
+            <a:schemeClr val="accent1"/>
+          </a:lnRef>
+          <a:fillRef idx="0">
+            <a:schemeClr val="accent1"/>
+          </a:fillRef>
+          <a:effectRef idx="0">
+            <a:schemeClr val="accent1"/>
+          </a:effectRef>
+          <a:fontRef idx="minor">
+            <a:schemeClr val="tx1"/>
+          </a:fontRef>
+        </p:style>
+      </p:cxnSp>
+      <p:cxnSp>
+        <p:nvCxnSpPr>
+          <p:cNvPr id="25" name="直線矢印コネクタ 24">
+            <a:extLst>
+              <a:ext uri="{FF2B5EF4-FFF2-40B4-BE49-F238E27FC236}">
+                <a16:creationId xmlns:a16="http://schemas.microsoft.com/office/drawing/2014/main" id="{D8A4A7B3-0EFE-479A-BB09-A771B970CC6C}"/>
+              </a:ext>
+            </a:extLst>
+          </p:cNvPr>
+          <p:cNvCxnSpPr>
+            <a:cxnSpLocks/>
+            <a:stCxn id="6" idx="0"/>
+          </p:cNvCxnSpPr>
+          <p:nvPr/>
+        </p:nvCxnSpPr>
+        <p:spPr>
+          <a:xfrm flipH="1" flipV="1">
+            <a:off x="6573207" y="996139"/>
+            <a:ext cx="1227828" cy="675344"/>
+          </a:xfrm>
+          <a:prstGeom prst="straightConnector1">
+            <a:avLst/>
+          </a:prstGeom>
+          <a:ln>
+            <a:tailEnd type="triangle"/>
+          </a:ln>
+        </p:spPr>
+        <p:style>
+          <a:lnRef idx="1">
+            <a:schemeClr val="accent1"/>
+          </a:lnRef>
+          <a:fillRef idx="0">
+            <a:schemeClr val="accent1"/>
+          </a:fillRef>
+          <a:effectRef idx="0">
+            <a:schemeClr val="accent1"/>
+          </a:effectRef>
+          <a:fontRef idx="minor">
+            <a:schemeClr val="tx1"/>
+          </a:fontRef>
+        </p:style>
+      </p:cxnSp>
+      <p:cxnSp>
+        <p:nvCxnSpPr>
+          <p:cNvPr id="28" name="直線矢印コネクタ 27">
+            <a:extLst>
+              <a:ext uri="{FF2B5EF4-FFF2-40B4-BE49-F238E27FC236}">
+                <a16:creationId xmlns:a16="http://schemas.microsoft.com/office/drawing/2014/main" id="{853852F6-0ACD-4485-ACBF-73159148590D}"/>
+              </a:ext>
+            </a:extLst>
+          </p:cNvPr>
+          <p:cNvCxnSpPr>
+            <a:cxnSpLocks/>
+          </p:cNvCxnSpPr>
+          <p:nvPr/>
+        </p:nvCxnSpPr>
+        <p:spPr>
+          <a:xfrm flipH="1" flipV="1">
+            <a:off x="7222486" y="845576"/>
+            <a:ext cx="3409675" cy="766915"/>
+          </a:xfrm>
+          <a:prstGeom prst="straightConnector1">
+            <a:avLst/>
+          </a:prstGeom>
+          <a:ln>
+            <a:tailEnd type="triangle"/>
+          </a:ln>
+        </p:spPr>
+        <p:style>
+          <a:lnRef idx="1">
+            <a:schemeClr val="accent1"/>
+          </a:lnRef>
+          <a:fillRef idx="0">
+            <a:schemeClr val="accent1"/>
+          </a:fillRef>
+          <a:effectRef idx="0">
+            <a:schemeClr val="accent1"/>
+          </a:effectRef>
+          <a:fontRef idx="minor">
+            <a:schemeClr val="tx1"/>
+          </a:fontRef>
+        </p:style>
+      </p:cxnSp>
+    </p:spTree>
+    <p:extLst>
+      <p:ext uri="{BB962C8B-B14F-4D97-AF65-F5344CB8AC3E}">
+        <p14:creationId xmlns:p14="http://schemas.microsoft.com/office/powerpoint/2010/main" val="292907319"/>
       </p:ext>
     </p:extLst>
   </p:cSld>
